--- a/5.Permissions/05-PermissionsAndAccessControlLists.pptx
+++ b/5.Permissions/05-PermissionsAndAccessControlLists.pptx
@@ -308,7 +308,7 @@
           <a:p>
             <a:fld id="{3EA744D9-3FBE-48D8-BF2A-85DF203E4D20}" type="datetimeFigureOut">
               <a:rPr lang="bg-BG" smtClean="0"/>
-              <a:t>6.12.2016 г.</a:t>
+              <a:t>20.03.17 г.</a:t>
             </a:fld>
             <a:endParaRPr lang="bg-BG"/>
           </a:p>
@@ -478,7 +478,7 @@
           <a:p>
             <a:fld id="{3EA744D9-3FBE-48D8-BF2A-85DF203E4D20}" type="datetimeFigureOut">
               <a:rPr lang="bg-BG" smtClean="0"/>
-              <a:t>6.12.2016 г.</a:t>
+              <a:t>20.03.17 г.</a:t>
             </a:fld>
             <a:endParaRPr lang="bg-BG"/>
           </a:p>
@@ -658,7 +658,7 @@
           <a:p>
             <a:fld id="{3EA744D9-3FBE-48D8-BF2A-85DF203E4D20}" type="datetimeFigureOut">
               <a:rPr lang="bg-BG" smtClean="0"/>
-              <a:t>6.12.2016 г.</a:t>
+              <a:t>20.03.17 г.</a:t>
             </a:fld>
             <a:endParaRPr lang="bg-BG"/>
           </a:p>
@@ -828,7 +828,7 @@
           <a:p>
             <a:fld id="{3EA744D9-3FBE-48D8-BF2A-85DF203E4D20}" type="datetimeFigureOut">
               <a:rPr lang="bg-BG" smtClean="0"/>
-              <a:t>6.12.2016 г.</a:t>
+              <a:t>20.03.17 г.</a:t>
             </a:fld>
             <a:endParaRPr lang="bg-BG"/>
           </a:p>
@@ -1074,7 +1074,7 @@
           <a:p>
             <a:fld id="{3EA744D9-3FBE-48D8-BF2A-85DF203E4D20}" type="datetimeFigureOut">
               <a:rPr lang="bg-BG" smtClean="0"/>
-              <a:t>6.12.2016 г.</a:t>
+              <a:t>20.03.17 г.</a:t>
             </a:fld>
             <a:endParaRPr lang="bg-BG"/>
           </a:p>
@@ -1362,7 +1362,7 @@
           <a:p>
             <a:fld id="{3EA744D9-3FBE-48D8-BF2A-85DF203E4D20}" type="datetimeFigureOut">
               <a:rPr lang="bg-BG" smtClean="0"/>
-              <a:t>6.12.2016 г.</a:t>
+              <a:t>20.03.17 г.</a:t>
             </a:fld>
             <a:endParaRPr lang="bg-BG"/>
           </a:p>
@@ -1784,7 +1784,7 @@
           <a:p>
             <a:fld id="{3EA744D9-3FBE-48D8-BF2A-85DF203E4D20}" type="datetimeFigureOut">
               <a:rPr lang="bg-BG" smtClean="0"/>
-              <a:t>6.12.2016 г.</a:t>
+              <a:t>20.03.17 г.</a:t>
             </a:fld>
             <a:endParaRPr lang="bg-BG"/>
           </a:p>
@@ -1902,7 +1902,7 @@
           <a:p>
             <a:fld id="{3EA744D9-3FBE-48D8-BF2A-85DF203E4D20}" type="datetimeFigureOut">
               <a:rPr lang="bg-BG" smtClean="0"/>
-              <a:t>6.12.2016 г.</a:t>
+              <a:t>20.03.17 г.</a:t>
             </a:fld>
             <a:endParaRPr lang="bg-BG"/>
           </a:p>
@@ -1997,7 +1997,7 @@
           <a:p>
             <a:fld id="{3EA744D9-3FBE-48D8-BF2A-85DF203E4D20}" type="datetimeFigureOut">
               <a:rPr lang="bg-BG" smtClean="0"/>
-              <a:t>6.12.2016 г.</a:t>
+              <a:t>20.03.17 г.</a:t>
             </a:fld>
             <a:endParaRPr lang="bg-BG"/>
           </a:p>
@@ -2274,7 +2274,7 @@
           <a:p>
             <a:fld id="{3EA744D9-3FBE-48D8-BF2A-85DF203E4D20}" type="datetimeFigureOut">
               <a:rPr lang="bg-BG" smtClean="0"/>
-              <a:t>6.12.2016 г.</a:t>
+              <a:t>20.03.17 г.</a:t>
             </a:fld>
             <a:endParaRPr lang="bg-BG"/>
           </a:p>
@@ -2527,7 +2527,7 @@
           <a:p>
             <a:fld id="{3EA744D9-3FBE-48D8-BF2A-85DF203E4D20}" type="datetimeFigureOut">
               <a:rPr lang="bg-BG" smtClean="0"/>
-              <a:t>6.12.2016 г.</a:t>
+              <a:t>20.03.17 г.</a:t>
             </a:fld>
             <a:endParaRPr lang="bg-BG"/>
           </a:p>
@@ -2749,7 +2749,7 @@
           <a:p>
             <a:fld id="{3EA744D9-3FBE-48D8-BF2A-85DF203E4D20}" type="datetimeFigureOut">
               <a:rPr lang="bg-BG" smtClean="0"/>
-              <a:t>6.12.2016 г.</a:t>
+              <a:t>20.03.17 г.</a:t>
             </a:fld>
             <a:endParaRPr lang="bg-BG"/>
           </a:p>
@@ -3377,7 +3377,23 @@
                   <a:schemeClr val="accent6"/>
                 </a:solidFill>
               </a:rPr>
-              <a:t>Displaying ownership: ls –l </a:t>
+              <a:t>Displaying ownership: </a:t>
+            </a:r>
+            <a:r>
+              <a:rPr lang="en-US" sz="3100" dirty="0" smtClean="0">
+                <a:solidFill>
+                  <a:schemeClr val="bg1"/>
+                </a:solidFill>
+              </a:rPr>
+              <a:t>ls –l</a:t>
+            </a:r>
+            <a:r>
+              <a:rPr lang="en-US" sz="3100" dirty="0" smtClean="0">
+                <a:solidFill>
+                  <a:schemeClr val="accent6"/>
+                </a:solidFill>
+              </a:rPr>
+              <a:t> </a:t>
             </a:r>
             <a:br>
               <a:rPr lang="en-US" sz="3100" dirty="0" smtClean="0">
@@ -3404,10 +3420,18 @@
             <a:r>
               <a:rPr lang="en-US" sz="2200" dirty="0" smtClean="0">
                 <a:solidFill>
+                  <a:srgbClr val="FF0000"/>
+                </a:solidFill>
+              </a:rPr>
+              <a:t>Exercises: </a:t>
+            </a:r>
+            <a:r>
+              <a:rPr lang="en-US" sz="2200" dirty="0" smtClean="0">
+                <a:solidFill>
                   <a:schemeClr val="bg1"/>
                 </a:solidFill>
               </a:rPr>
-              <a:t>Exercises: </a:t>
+              <a:t/>
             </a:r>
             <a:br>
               <a:rPr lang="en-US" sz="2200" dirty="0" smtClean="0">
@@ -3419,7 +3443,7 @@
             <a:r>
               <a:rPr lang="en-US" sz="2200" dirty="0" smtClean="0">
                 <a:solidFill>
-                  <a:schemeClr val="bg1"/>
+                  <a:schemeClr val="accent6"/>
                 </a:solidFill>
               </a:rPr>
               <a:t>1. Create a file in your home directory.</a:t>
@@ -3427,14 +3451,14 @@
             <a:br>
               <a:rPr lang="en-US" sz="2200" dirty="0" smtClean="0">
                 <a:solidFill>
-                  <a:schemeClr val="bg1"/>
+                  <a:schemeClr val="accent6"/>
                 </a:solidFill>
               </a:rPr>
             </a:br>
             <a:r>
               <a:rPr lang="en-US" sz="2200" dirty="0" smtClean="0">
                 <a:solidFill>
-                  <a:schemeClr val="bg1"/>
+                  <a:schemeClr val="accent6"/>
                 </a:solidFill>
               </a:rPr>
               <a:t>2. List it’s permissions.</a:t>
@@ -4032,25 +4056,143 @@
             <a:r>
               <a:rPr lang="en-US" sz="2200" dirty="0" smtClean="0">
                 <a:solidFill>
+                  <a:schemeClr val="accent6"/>
+                </a:solidFill>
+              </a:rPr>
+              <a:t>1. Create a file and list its permissions, what is their value in decimal ? </a:t>
+            </a:r>
+            <a:br>
+              <a:rPr lang="en-US" sz="2200" dirty="0" smtClean="0">
+                <a:solidFill>
+                  <a:schemeClr val="accent6"/>
+                </a:solidFill>
+              </a:rPr>
+            </a:br>
+            <a:r>
+              <a:rPr lang="en-US" sz="2200" dirty="0" smtClean="0">
+                <a:solidFill>
+                  <a:schemeClr val="accent6"/>
+                </a:solidFill>
+              </a:rPr>
+              <a:t>2. Modify the permission using ‘</a:t>
+            </a:r>
+            <a:r>
+              <a:rPr lang="en-US" sz="2200" dirty="0" err="1" smtClean="0">
+                <a:solidFill>
                   <a:schemeClr val="bg1"/>
                 </a:solidFill>
               </a:rPr>
-              <a:t>1. Create a file and list its permissions, what is their value in decimal ? </a:t>
-            </a:r>
-            <a:br>
+              <a:t>chmod</a:t>
+            </a:r>
+            <a:r>
               <a:rPr lang="en-US" sz="2200" dirty="0" smtClean="0">
                 <a:solidFill>
+                  <a:schemeClr val="accent6"/>
+                </a:solidFill>
+              </a:rPr>
+              <a:t>’, read the manual page first.</a:t>
+            </a:r>
+            <a:br>
+              <a:rPr lang="en-US" sz="2200" dirty="0" smtClean="0">
+                <a:solidFill>
+                  <a:schemeClr val="accent6"/>
+                </a:solidFill>
+              </a:rPr>
+            </a:br>
+            <a:r>
+              <a:rPr lang="en-US" sz="2200" dirty="0" smtClean="0">
+                <a:solidFill>
+                  <a:schemeClr val="accent6"/>
+                </a:solidFill>
+              </a:rPr>
+              <a:t>3. List the permission on ‘</a:t>
+            </a:r>
+            <a:r>
+              <a:rPr lang="en-US" sz="2200" dirty="0" smtClean="0">
+                <a:solidFill>
                   <a:schemeClr val="bg1"/>
                 </a:solidFill>
               </a:rPr>
-            </a:br>
+              <a:t>/</a:t>
+            </a:r>
+            <a:r>
+              <a:rPr lang="en-US" sz="2200" dirty="0" err="1" smtClean="0">
+                <a:solidFill>
+                  <a:schemeClr val="bg1"/>
+                </a:solidFill>
+              </a:rPr>
+              <a:t>tmp</a:t>
+            </a:r>
             <a:r>
               <a:rPr lang="en-US" sz="2200" dirty="0" smtClean="0">
                 <a:solidFill>
+                  <a:schemeClr val="accent6"/>
+                </a:solidFill>
+              </a:rPr>
+              <a:t>/’ directory, do you see something different ? </a:t>
+            </a:r>
+            <a:br>
+              <a:rPr lang="en-US" sz="2200" dirty="0" smtClean="0">
+                <a:solidFill>
+                  <a:schemeClr val="accent6"/>
+                </a:solidFill>
+              </a:rPr>
+            </a:br>
+            <a:r>
+              <a:rPr lang="en-US" sz="2200" dirty="0" smtClean="0">
+                <a:solidFill>
+                  <a:schemeClr val="accent6"/>
+                </a:solidFill>
+              </a:rPr>
+              <a:t>4. Create two local users john and </a:t>
+            </a:r>
+            <a:r>
+              <a:rPr lang="en-US" sz="2200" dirty="0" err="1" smtClean="0">
+                <a:solidFill>
+                  <a:schemeClr val="accent6"/>
+                </a:solidFill>
+              </a:rPr>
+              <a:t>url</a:t>
+            </a:r>
+            <a:r>
+              <a:rPr lang="en-US" sz="2200" dirty="0" smtClean="0">
+                <a:solidFill>
+                  <a:schemeClr val="accent6"/>
+                </a:solidFill>
+              </a:rPr>
+              <a:t>, </a:t>
+            </a:r>
+            <a:r>
+              <a:rPr lang="en-US" sz="2200" dirty="0" err="1" smtClean="0">
+                <a:solidFill>
                   <a:schemeClr val="bg1"/>
                 </a:solidFill>
               </a:rPr>
-              <a:t>2. Modify the permission using ‘</a:t>
+              <a:t>su</a:t>
+            </a:r>
+            <a:r>
+              <a:rPr lang="en-US" sz="2200" dirty="0" smtClean="0">
+                <a:solidFill>
+                  <a:schemeClr val="bg1"/>
+                </a:solidFill>
+              </a:rPr>
+              <a:t> </a:t>
+            </a:r>
+            <a:r>
+              <a:rPr lang="en-US" sz="2200" dirty="0" smtClean="0">
+                <a:solidFill>
+                  <a:schemeClr val="accent6"/>
+                </a:solidFill>
+              </a:rPr>
+              <a:t>to each one of them and add a file in </a:t>
+            </a:r>
+            <a:r>
+              <a:rPr lang="en-US" sz="2200" dirty="0" smtClean="0">
+                <a:solidFill>
+                  <a:schemeClr val="bg1"/>
+                </a:solidFill>
+              </a:rPr>
+              <a:t>/</a:t>
             </a:r>
             <a:r>
               <a:rPr lang="en-US" sz="2200" dirty="0" err="1" smtClean="0">
@@ -4058,7 +4200,7 @@
                   <a:schemeClr val="bg1"/>
                 </a:solidFill>
               </a:rPr>
-              <a:t>chmod</a:t>
+              <a:t>tmp</a:t>
             </a:r>
             <a:r>
               <a:rPr lang="en-US" sz="2200" dirty="0" smtClean="0">
@@ -4066,167 +4208,73 @@
                   <a:schemeClr val="bg1"/>
                 </a:solidFill>
               </a:rPr>
-              <a:t>’, read the manual page first.</a:t>
-            </a:r>
-            <a:br>
+              <a:t>, </a:t>
+            </a:r>
+            <a:r>
+              <a:rPr lang="en-US" sz="2200" dirty="0" err="1" smtClean="0">
+                <a:solidFill>
+                  <a:schemeClr val="accent6"/>
+                </a:solidFill>
+              </a:rPr>
+              <a:t>su</a:t>
+            </a:r>
+            <a:r>
               <a:rPr lang="en-US" sz="2200" dirty="0" smtClean="0">
                 <a:solidFill>
-                  <a:schemeClr val="bg1"/>
-                </a:solidFill>
-              </a:rPr>
-            </a:br>
+                  <a:schemeClr val="accent6"/>
+                </a:solidFill>
+              </a:rPr>
+              <a:t> to </a:t>
+            </a:r>
+            <a:r>
+              <a:rPr lang="en-US" sz="2200" dirty="0" err="1" smtClean="0">
+                <a:solidFill>
+                  <a:schemeClr val="accent6"/>
+                </a:solidFill>
+              </a:rPr>
+              <a:t>to</a:t>
+            </a:r>
             <a:r>
               <a:rPr lang="en-US" sz="2200" dirty="0" smtClean="0">
                 <a:solidFill>
-                  <a:schemeClr val="bg1"/>
-                </a:solidFill>
-              </a:rPr>
-              <a:t>3. List the permission on ‘/</a:t>
-            </a:r>
-            <a:r>
-              <a:rPr lang="en-US" sz="2200" dirty="0" err="1" smtClean="0">
-                <a:solidFill>
-                  <a:schemeClr val="bg1"/>
-                </a:solidFill>
-              </a:rPr>
-              <a:t>tmp</a:t>
-            </a:r>
-            <a:r>
+                  <a:schemeClr val="accent6"/>
+                </a:solidFill>
+              </a:rPr>
+              <a:t> other one and try to delete it.</a:t>
+            </a:r>
+            <a:br>
               <a:rPr lang="en-US" sz="2200" dirty="0" smtClean="0">
                 <a:solidFill>
-                  <a:schemeClr val="bg1"/>
-                </a:solidFill>
-              </a:rPr>
-              <a:t>/’ directory, do you see something different ? </a:t>
-            </a:r>
-            <a:br>
+                  <a:schemeClr val="accent6"/>
+                </a:solidFill>
+              </a:rPr>
+            </a:br>
+            <a:r>
               <a:rPr lang="en-US" sz="2200" dirty="0" smtClean="0">
                 <a:solidFill>
-                  <a:schemeClr val="bg1"/>
-                </a:solidFill>
-              </a:rPr>
-            </a:br>
-            <a:r>
+                  <a:schemeClr val="accent6"/>
+                </a:solidFill>
+              </a:rPr>
+              <a:t>5. Think about a valid case for using SGID.</a:t>
+            </a:r>
+            <a:br>
               <a:rPr lang="en-US" sz="2200" dirty="0" smtClean="0">
                 <a:solidFill>
-                  <a:schemeClr val="bg1"/>
-                </a:solidFill>
-              </a:rPr>
-              <a:t>4. Create two local users john and </a:t>
-            </a:r>
-            <a:r>
-              <a:rPr lang="en-US" sz="2200" dirty="0" err="1" smtClean="0">
-                <a:solidFill>
-                  <a:schemeClr val="bg1"/>
-                </a:solidFill>
-              </a:rPr>
-              <a:t>url</a:t>
-            </a:r>
+                  <a:schemeClr val="accent6"/>
+                </a:solidFill>
+              </a:rPr>
+            </a:br>
             <a:r>
               <a:rPr lang="en-US" sz="2200" dirty="0" smtClean="0">
                 <a:solidFill>
-                  <a:schemeClr val="bg1"/>
-                </a:solidFill>
-              </a:rPr>
-              <a:t>, </a:t>
-            </a:r>
-            <a:r>
-              <a:rPr lang="en-US" sz="2200" dirty="0" err="1" smtClean="0">
-                <a:solidFill>
-                  <a:schemeClr val="bg1"/>
-                </a:solidFill>
-              </a:rPr>
-              <a:t>su</a:t>
-            </a:r>
-            <a:r>
-              <a:rPr lang="en-US" sz="2200" dirty="0" smtClean="0">
-                <a:solidFill>
-                  <a:schemeClr val="bg1"/>
-                </a:solidFill>
-              </a:rPr>
-              <a:t> to each one of them and add a file in /</a:t>
-            </a:r>
-            <a:r>
-              <a:rPr lang="en-US" sz="2200" dirty="0" err="1" smtClean="0">
-                <a:solidFill>
-                  <a:schemeClr val="bg1"/>
-                </a:solidFill>
-              </a:rPr>
-              <a:t>tmp</a:t>
-            </a:r>
-            <a:r>
-              <a:rPr lang="en-US" sz="2200" dirty="0" smtClean="0">
-                <a:solidFill>
-                  <a:schemeClr val="bg1"/>
-                </a:solidFill>
-              </a:rPr>
-              <a:t>, </a:t>
-            </a:r>
-            <a:r>
-              <a:rPr lang="en-US" sz="2200" dirty="0" err="1" smtClean="0">
-                <a:solidFill>
-                  <a:schemeClr val="bg1"/>
-                </a:solidFill>
-              </a:rPr>
-              <a:t>su</a:t>
-            </a:r>
-            <a:r>
-              <a:rPr lang="en-US" sz="2200" dirty="0" smtClean="0">
-                <a:solidFill>
-                  <a:schemeClr val="bg1"/>
-                </a:solidFill>
-              </a:rPr>
-              <a:t> to </a:t>
-            </a:r>
-            <a:r>
-              <a:rPr lang="en-US" sz="2200" dirty="0" err="1" smtClean="0">
-                <a:solidFill>
-                  <a:schemeClr val="bg1"/>
-                </a:solidFill>
-              </a:rPr>
-              <a:t>to</a:t>
-            </a:r>
-            <a:r>
-              <a:rPr lang="en-US" sz="2200" dirty="0" smtClean="0">
-                <a:solidFill>
-                  <a:schemeClr val="bg1"/>
-                </a:solidFill>
-              </a:rPr>
-              <a:t> other one and try to delete it.</a:t>
-            </a:r>
-            <a:br>
-              <a:rPr lang="en-US" sz="2200" dirty="0" smtClean="0">
-                <a:solidFill>
-                  <a:schemeClr val="bg1"/>
-                </a:solidFill>
-              </a:rPr>
-            </a:br>
-            <a:r>
-              <a:rPr lang="en-US" sz="2200" dirty="0" smtClean="0">
-                <a:solidFill>
-                  <a:schemeClr val="bg1"/>
-                </a:solidFill>
-              </a:rPr>
-              <a:t>5. Think about a valid case for using SGID.</a:t>
-            </a:r>
-            <a:br>
-              <a:rPr lang="en-US" sz="2200" dirty="0" smtClean="0">
-                <a:solidFill>
-                  <a:schemeClr val="bg1"/>
-                </a:solidFill>
-              </a:rPr>
-            </a:br>
-            <a:r>
-              <a:rPr lang="en-US" sz="2200" dirty="0" smtClean="0">
-                <a:solidFill>
-                  <a:schemeClr val="bg1"/>
+                  <a:schemeClr val="accent6"/>
                 </a:solidFill>
               </a:rPr>
               <a:t>6. Apply the advanced permissions on a newly created directory of your choice, use sticky bit and group collaboration. List the permissions first and test them. </a:t>
             </a:r>
             <a:endParaRPr lang="en-US" sz="2200" dirty="0">
               <a:solidFill>
-                <a:schemeClr val="bg1"/>
+                <a:schemeClr val="accent6"/>
               </a:solidFill>
             </a:endParaRPr>
           </a:p>
@@ -4573,82 +4621,90 @@
             <a:r>
               <a:rPr lang="en-US" sz="2700" dirty="0">
                 <a:solidFill>
+                  <a:schemeClr val="accent6"/>
+                </a:solidFill>
+              </a:rPr>
+              <a:t>1. Why do you think the max for a file is 666 ?</a:t>
+            </a:r>
+            <a:br>
+              <a:rPr lang="en-US" sz="2700" dirty="0">
+                <a:solidFill>
+                  <a:schemeClr val="accent6"/>
+                </a:solidFill>
+              </a:rPr>
+            </a:br>
+            <a:r>
+              <a:rPr lang="en-US" sz="2700" dirty="0">
+                <a:solidFill>
+                  <a:schemeClr val="accent6"/>
+                </a:solidFill>
+              </a:rPr>
+              <a:t>2. Get the default </a:t>
+            </a:r>
+            <a:r>
+              <a:rPr lang="en-US" sz="2700" dirty="0" err="1">
+                <a:solidFill>
                   <a:schemeClr val="bg1"/>
                 </a:solidFill>
               </a:rPr>
-              <a:t>1. Why do you think the max for a file is 666 ?</a:t>
-            </a:r>
-            <a:br>
+              <a:t>umask</a:t>
+            </a:r>
+            <a:r>
               <a:rPr lang="en-US" sz="2700" dirty="0">
                 <a:solidFill>
                   <a:schemeClr val="bg1"/>
                 </a:solidFill>
               </a:rPr>
-            </a:br>
+              <a:t> </a:t>
+            </a:r>
             <a:r>
               <a:rPr lang="en-US" sz="2700" dirty="0">
                 <a:solidFill>
-                  <a:schemeClr val="bg1"/>
-                </a:solidFill>
-              </a:rPr>
-              <a:t>2. Get the default </a:t>
-            </a:r>
-            <a:r>
-              <a:rPr lang="en-US" sz="2700" dirty="0" err="1">
-                <a:solidFill>
-                  <a:schemeClr val="bg1"/>
-                </a:solidFill>
-              </a:rPr>
-              <a:t>umask</a:t>
-            </a:r>
-            <a:r>
+                  <a:schemeClr val="accent6"/>
+                </a:solidFill>
+              </a:rPr>
+              <a:t>value.</a:t>
+            </a:r>
+            <a:br>
               <a:rPr lang="en-US" sz="2700" dirty="0">
                 <a:solidFill>
-                  <a:schemeClr val="bg1"/>
-                </a:solidFill>
-              </a:rPr>
-              <a:t> value.</a:t>
-            </a:r>
-            <a:br>
+                  <a:schemeClr val="accent6"/>
+                </a:solidFill>
+              </a:rPr>
+            </a:br>
+            <a:r>
               <a:rPr lang="en-US" sz="2700" dirty="0">
                 <a:solidFill>
-                  <a:schemeClr val="bg1"/>
-                </a:solidFill>
-              </a:rPr>
-            </a:br>
-            <a:r>
+                  <a:schemeClr val="accent6"/>
+                </a:solidFill>
+              </a:rPr>
+              <a:t>3. Change it to something else.</a:t>
+            </a:r>
+            <a:br>
               <a:rPr lang="en-US" sz="2700" dirty="0">
                 <a:solidFill>
-                  <a:schemeClr val="bg1"/>
-                </a:solidFill>
-              </a:rPr>
-              <a:t>3. Change it to something else.</a:t>
-            </a:r>
-            <a:br>
+                  <a:schemeClr val="accent6"/>
+                </a:solidFill>
+              </a:rPr>
+            </a:br>
+            <a:r>
               <a:rPr lang="en-US" sz="2700" dirty="0">
                 <a:solidFill>
-                  <a:schemeClr val="bg1"/>
-                </a:solidFill>
-              </a:rPr>
-            </a:br>
-            <a:r>
+                  <a:schemeClr val="accent6"/>
+                </a:solidFill>
+              </a:rPr>
+              <a:t>4. Revert it back to default.</a:t>
+            </a:r>
+            <a:br>
               <a:rPr lang="en-US" sz="2700" dirty="0">
                 <a:solidFill>
-                  <a:schemeClr val="bg1"/>
-                </a:solidFill>
-              </a:rPr>
-              <a:t>4. Revert it back to default.</a:t>
-            </a:r>
-            <a:br>
-              <a:rPr lang="en-US" sz="2700" dirty="0">
-                <a:solidFill>
-                  <a:schemeClr val="bg1"/>
+                  <a:schemeClr val="accent6"/>
                 </a:solidFill>
               </a:rPr>
             </a:br>
             <a:endParaRPr lang="bg-BG" sz="2700" dirty="0">
               <a:solidFill>
-                <a:schemeClr val="bg1"/>
+                <a:schemeClr val="accent6"/>
               </a:solidFill>
             </a:endParaRPr>
           </a:p>
@@ -5413,55 +5469,79 @@
             <a:r>
               <a:rPr lang="en-US" sz="2000" dirty="0">
                 <a:solidFill>
+                  <a:schemeClr val="accent6"/>
+                </a:solidFill>
+              </a:rPr>
+              <a:t>1. Set up a shared group environment. Create two directories:</a:t>
+            </a:r>
+            <a:r>
+              <a:rPr lang="en-US" sz="2000" dirty="0">
+                <a:solidFill>
                   <a:schemeClr val="bg1"/>
                 </a:solidFill>
               </a:rPr>
-              <a:t>1. Set up a shared group environment. Create two directories: /data/account and /data/sales. Make the group sales owner of the directory sales, and make the group account owner of the directory account.</a:t>
-            </a:r>
-            <a:br>
+              <a:t> /data/account and /data/sales. </a:t>
+            </a:r>
+            <a:r>
               <a:rPr lang="en-US" sz="2000" dirty="0">
                 <a:solidFill>
+                  <a:schemeClr val="accent6"/>
+                </a:solidFill>
+              </a:rPr>
+              <a:t>Make the group sales owner of the directory sales, and make the group account owner of the directory account.</a:t>
+            </a:r>
+            <a:br>
+              <a:rPr lang="en-US" sz="2000" dirty="0">
+                <a:solidFill>
+                  <a:schemeClr val="accent6"/>
+                </a:solidFill>
+              </a:rPr>
+            </a:br>
+            <a:r>
+              <a:rPr lang="en-US" sz="2000" dirty="0">
+                <a:solidFill>
+                  <a:schemeClr val="accent6"/>
+                </a:solidFill>
+              </a:rPr>
+              <a:t>2. Ensure that users are only allowed to remove files of which they are the owner. </a:t>
+            </a:r>
+            <a:br>
+              <a:rPr lang="en-US" sz="2000" dirty="0">
+                <a:solidFill>
+                  <a:schemeClr val="accent6"/>
+                </a:solidFill>
+              </a:rPr>
+            </a:br>
+            <a:r>
+              <a:rPr lang="en-US" sz="2000" dirty="0">
+                <a:solidFill>
+                  <a:schemeClr val="accent6"/>
+                </a:solidFill>
+              </a:rPr>
+              <a:t>3. Make the groups to be able to execute files.</a:t>
+            </a:r>
+            <a:br>
+              <a:rPr lang="en-US" sz="2000" dirty="0">
+                <a:solidFill>
+                  <a:schemeClr val="accent6"/>
+                </a:solidFill>
+              </a:rPr>
+            </a:br>
+            <a:r>
+              <a:rPr lang="en-US" sz="2000" dirty="0">
+                <a:solidFill>
+                  <a:schemeClr val="accent6"/>
+                </a:solidFill>
+              </a:rPr>
+              <a:t>4. Create simple bash files ( google search ) and try to run them</a:t>
+            </a:r>
+            <a:r>
+              <a:rPr lang="en-US" sz="2000" dirty="0">
+                <a:solidFill>
                   <a:schemeClr val="bg1"/>
                 </a:solidFill>
               </a:rPr>
-            </a:br>
-            <a:r>
-              <a:rPr lang="en-US" sz="2000" dirty="0">
-                <a:solidFill>
-                  <a:schemeClr val="bg1"/>
-                </a:solidFill>
-              </a:rPr>
-              <a:t>2. Ensure that users are only allowed to remove files of which they are the owner. </a:t>
-            </a:r>
-            <a:br>
-              <a:rPr lang="en-US" sz="2000" dirty="0">
-                <a:solidFill>
-                  <a:schemeClr val="bg1"/>
-                </a:solidFill>
-              </a:rPr>
-            </a:br>
-            <a:r>
-              <a:rPr lang="en-US" sz="2000" dirty="0">
-                <a:solidFill>
-                  <a:schemeClr val="bg1"/>
-                </a:solidFill>
-              </a:rPr>
-              <a:t>3. Make the groups to be able to execute files.</a:t>
-            </a:r>
-            <a:br>
-              <a:rPr lang="en-US" sz="2000" dirty="0">
-                <a:solidFill>
-                  <a:schemeClr val="bg1"/>
-                </a:solidFill>
-              </a:rPr>
-            </a:br>
-            <a:r>
-              <a:rPr lang="en-US" sz="2000" dirty="0">
-                <a:solidFill>
-                  <a:schemeClr val="bg1"/>
-                </a:solidFill>
-              </a:rPr>
-              <a:t>4. Create simple bash files ( google search ) and try to run them</a:t>
+              <a:t/>
             </a:r>
             <a:br>
               <a:rPr lang="en-US" sz="2000" dirty="0">

--- a/5.Permissions/05-PermissionsAndAccessControlLists.pptx
+++ b/5.Permissions/05-PermissionsAndAccessControlLists.pptx
@@ -7,9 +7,12 @@
   <p:sldIdLst>
     <p:sldId id="256" r:id="rId2"/>
     <p:sldId id="271" r:id="rId3"/>
-    <p:sldId id="266" r:id="rId4"/>
-    <p:sldId id="258" r:id="rId5"/>
-    <p:sldId id="257" r:id="rId6"/>
+    <p:sldId id="272" r:id="rId4"/>
+    <p:sldId id="273" r:id="rId5"/>
+    <p:sldId id="266" r:id="rId6"/>
+    <p:sldId id="258" r:id="rId7"/>
+    <p:sldId id="274" r:id="rId8"/>
+    <p:sldId id="257" r:id="rId9"/>
   </p:sldIdLst>
   <p:sldSz cx="9144000" cy="6858000" type="screen4x3"/>
   <p:notesSz cx="6858000" cy="9144000"/>
@@ -308,7 +311,7 @@
           <a:p>
             <a:fld id="{3EA744D9-3FBE-48D8-BF2A-85DF203E4D20}" type="datetimeFigureOut">
               <a:rPr lang="bg-BG" smtClean="0"/>
-              <a:t>20.03.17 г.</a:t>
+              <a:t>5.04.17 г.</a:t>
             </a:fld>
             <a:endParaRPr lang="bg-BG"/>
           </a:p>
@@ -478,7 +481,7 @@
           <a:p>
             <a:fld id="{3EA744D9-3FBE-48D8-BF2A-85DF203E4D20}" type="datetimeFigureOut">
               <a:rPr lang="bg-BG" smtClean="0"/>
-              <a:t>20.03.17 г.</a:t>
+              <a:t>5.04.17 г.</a:t>
             </a:fld>
             <a:endParaRPr lang="bg-BG"/>
           </a:p>
@@ -658,7 +661,7 @@
           <a:p>
             <a:fld id="{3EA744D9-3FBE-48D8-BF2A-85DF203E4D20}" type="datetimeFigureOut">
               <a:rPr lang="bg-BG" smtClean="0"/>
-              <a:t>20.03.17 г.</a:t>
+              <a:t>5.04.17 г.</a:t>
             </a:fld>
             <a:endParaRPr lang="bg-BG"/>
           </a:p>
@@ -828,7 +831,7 @@
           <a:p>
             <a:fld id="{3EA744D9-3FBE-48D8-BF2A-85DF203E4D20}" type="datetimeFigureOut">
               <a:rPr lang="bg-BG" smtClean="0"/>
-              <a:t>20.03.17 г.</a:t>
+              <a:t>5.04.17 г.</a:t>
             </a:fld>
             <a:endParaRPr lang="bg-BG"/>
           </a:p>
@@ -1074,7 +1077,7 @@
           <a:p>
             <a:fld id="{3EA744D9-3FBE-48D8-BF2A-85DF203E4D20}" type="datetimeFigureOut">
               <a:rPr lang="bg-BG" smtClean="0"/>
-              <a:t>20.03.17 г.</a:t>
+              <a:t>5.04.17 г.</a:t>
             </a:fld>
             <a:endParaRPr lang="bg-BG"/>
           </a:p>
@@ -1362,7 +1365,7 @@
           <a:p>
             <a:fld id="{3EA744D9-3FBE-48D8-BF2A-85DF203E4D20}" type="datetimeFigureOut">
               <a:rPr lang="bg-BG" smtClean="0"/>
-              <a:t>20.03.17 г.</a:t>
+              <a:t>5.04.17 г.</a:t>
             </a:fld>
             <a:endParaRPr lang="bg-BG"/>
           </a:p>
@@ -1784,7 +1787,7 @@
           <a:p>
             <a:fld id="{3EA744D9-3FBE-48D8-BF2A-85DF203E4D20}" type="datetimeFigureOut">
               <a:rPr lang="bg-BG" smtClean="0"/>
-              <a:t>20.03.17 г.</a:t>
+              <a:t>5.04.17 г.</a:t>
             </a:fld>
             <a:endParaRPr lang="bg-BG"/>
           </a:p>
@@ -1902,7 +1905,7 @@
           <a:p>
             <a:fld id="{3EA744D9-3FBE-48D8-BF2A-85DF203E4D20}" type="datetimeFigureOut">
               <a:rPr lang="bg-BG" smtClean="0"/>
-              <a:t>20.03.17 г.</a:t>
+              <a:t>5.04.17 г.</a:t>
             </a:fld>
             <a:endParaRPr lang="bg-BG"/>
           </a:p>
@@ -1997,7 +2000,7 @@
           <a:p>
             <a:fld id="{3EA744D9-3FBE-48D8-BF2A-85DF203E4D20}" type="datetimeFigureOut">
               <a:rPr lang="bg-BG" smtClean="0"/>
-              <a:t>20.03.17 г.</a:t>
+              <a:t>5.04.17 г.</a:t>
             </a:fld>
             <a:endParaRPr lang="bg-BG"/>
           </a:p>
@@ -2274,7 +2277,7 @@
           <a:p>
             <a:fld id="{3EA744D9-3FBE-48D8-BF2A-85DF203E4D20}" type="datetimeFigureOut">
               <a:rPr lang="bg-BG" smtClean="0"/>
-              <a:t>20.03.17 г.</a:t>
+              <a:t>5.04.17 г.</a:t>
             </a:fld>
             <a:endParaRPr lang="bg-BG"/>
           </a:p>
@@ -2527,7 +2530,7 @@
           <a:p>
             <a:fld id="{3EA744D9-3FBE-48D8-BF2A-85DF203E4D20}" type="datetimeFigureOut">
               <a:rPr lang="bg-BG" smtClean="0"/>
-              <a:t>20.03.17 г.</a:t>
+              <a:t>5.04.17 г.</a:t>
             </a:fld>
             <a:endParaRPr lang="bg-BG"/>
           </a:p>
@@ -2749,7 +2752,7 @@
           <a:p>
             <a:fld id="{3EA744D9-3FBE-48D8-BF2A-85DF203E4D20}" type="datetimeFigureOut">
               <a:rPr lang="bg-BG" smtClean="0"/>
-              <a:t>20.03.17 г.</a:t>
+              <a:t>5.04.17 г.</a:t>
             </a:fld>
             <a:endParaRPr lang="bg-BG"/>
           </a:p>
@@ -3302,7 +3305,15 @@
                   <a:schemeClr val="accent6"/>
                 </a:solidFill>
               </a:rPr>
-              <a:t/>
+              <a:t>On </a:t>
+            </a:r>
+            <a:r>
+              <a:rPr lang="en-US" sz="3100" dirty="0" smtClean="0">
+                <a:solidFill>
+                  <a:schemeClr val="accent6"/>
+                </a:solidFill>
+              </a:rPr>
+              <a:t>Linux, every file and every directory has two owners: a user and a group. These owners are set when a file or a directory is created. On creation, the user who creates the file becomes the user owner, and the primary group of that user becomes the group owner. </a:t>
             </a:r>
             <a:br>
               <a:rPr lang="en-US" sz="3100" dirty="0" smtClean="0">
@@ -3332,51 +3343,6 @@
                   <a:schemeClr val="accent6"/>
                 </a:solidFill>
               </a:rPr>
-              <a:t/>
-            </a:r>
-            <a:br>
-              <a:rPr lang="en-US" sz="3100" dirty="0" smtClean="0">
-                <a:solidFill>
-                  <a:schemeClr val="accent6"/>
-                </a:solidFill>
-              </a:rPr>
-            </a:br>
-            <a:r>
-              <a:rPr lang="en-US" sz="3100" dirty="0" smtClean="0">
-                <a:solidFill>
-                  <a:schemeClr val="accent6"/>
-                </a:solidFill>
-              </a:rPr>
-              <a:t>On Linux, every file and every directory has two owners: a user and a group. These owners are set when a file or a directory is created. On creation, the user who creates the file becomes the user owner, and the primary group of that user becomes the group owner. </a:t>
-            </a:r>
-            <a:br>
-              <a:rPr lang="en-US" sz="3100" dirty="0" smtClean="0">
-                <a:solidFill>
-                  <a:schemeClr val="accent6"/>
-                </a:solidFill>
-              </a:rPr>
-            </a:br>
-            <a:r>
-              <a:rPr lang="en-US" sz="3100" dirty="0">
-                <a:solidFill>
-                  <a:schemeClr val="accent6"/>
-                </a:solidFill>
-              </a:rPr>
-              <a:t/>
-            </a:r>
-            <a:br>
-              <a:rPr lang="en-US" sz="3100" dirty="0">
-                <a:solidFill>
-                  <a:schemeClr val="accent6"/>
-                </a:solidFill>
-              </a:rPr>
-            </a:br>
-            <a:r>
-              <a:rPr lang="en-US" sz="3100" dirty="0" smtClean="0">
-                <a:solidFill>
-                  <a:schemeClr val="accent6"/>
-                </a:solidFill>
-              </a:rPr>
               <a:t>Displaying ownership: </a:t>
             </a:r>
             <a:r>
@@ -3502,43 +3468,13 @@
               <a:t>4. </a:t>
             </a:r>
             <a:r>
-              <a:rPr lang="en-US" sz="2200" dirty="0">
+              <a:rPr lang="en-US" sz="2200" dirty="0" smtClean="0">
                 <a:solidFill>
                   <a:schemeClr val="bg1"/>
                 </a:solidFill>
               </a:rPr>
-              <a:t>Do you think it’s safe to let the root user to log in inside a server from remote ( SSH ) ? </a:t>
-            </a:r>
-            <a:r>
-              <a:rPr lang="en-US" dirty="0">
-                <a:solidFill>
-                  <a:schemeClr val="accent6"/>
-                </a:solidFill>
-              </a:rPr>
-              <a:t/>
-            </a:r>
-            <a:br>
-              <a:rPr lang="en-US" dirty="0">
-                <a:solidFill>
-                  <a:schemeClr val="accent6"/>
-                </a:solidFill>
-              </a:rPr>
-            </a:br>
-            <a:r>
-              <a:rPr lang="en-US" dirty="0" smtClean="0">
-                <a:solidFill>
-                  <a:schemeClr val="accent6"/>
-                </a:solidFill>
-              </a:rPr>
-              <a:t/>
-            </a:r>
-            <a:br>
-              <a:rPr lang="en-US" dirty="0" smtClean="0">
-                <a:solidFill>
-                  <a:schemeClr val="accent6"/>
-                </a:solidFill>
-              </a:rPr>
-            </a:br>
+              <a:t>Do</a:t>
+            </a:r>
             <a:endParaRPr lang="bg-BG" dirty="0">
               <a:solidFill>
                 <a:schemeClr val="accent6"/>
@@ -3800,6 +3736,802 @@
       </p:grpSpPr>
       <p:sp>
         <p:nvSpPr>
+          <p:cNvPr id="2" name="Title 1"/>
+          <p:cNvSpPr>
+            <a:spLocks noGrp="1"/>
+          </p:cNvSpPr>
+          <p:nvPr>
+            <p:ph type="title"/>
+          </p:nvPr>
+        </p:nvSpPr>
+        <p:spPr/>
+        <p:txBody>
+          <a:bodyPr>
+            <a:normAutofit fontScale="90000"/>
+          </a:bodyPr>
+          <a:lstStyle/>
+          <a:p>
+            <a:r>
+              <a:rPr lang="en-US" dirty="0" smtClean="0">
+                <a:solidFill>
+                  <a:schemeClr val="accent6"/>
+                </a:solidFill>
+              </a:rPr>
+              <a:t/>
+            </a:r>
+            <a:br>
+              <a:rPr lang="en-US" dirty="0" smtClean="0">
+                <a:solidFill>
+                  <a:schemeClr val="accent6"/>
+                </a:solidFill>
+              </a:rPr>
+            </a:br>
+            <a:r>
+              <a:rPr lang="en-US" dirty="0">
+                <a:solidFill>
+                  <a:schemeClr val="accent6"/>
+                </a:solidFill>
+              </a:rPr>
+              <a:t/>
+            </a:r>
+            <a:br>
+              <a:rPr lang="en-US" dirty="0">
+                <a:solidFill>
+                  <a:schemeClr val="accent6"/>
+                </a:solidFill>
+              </a:rPr>
+            </a:br>
+            <a:r>
+              <a:rPr lang="en-US" dirty="0" smtClean="0">
+                <a:solidFill>
+                  <a:schemeClr val="accent6"/>
+                </a:solidFill>
+              </a:rPr>
+              <a:t/>
+            </a:r>
+            <a:br>
+              <a:rPr lang="en-US" dirty="0" smtClean="0">
+                <a:solidFill>
+                  <a:schemeClr val="accent6"/>
+                </a:solidFill>
+              </a:rPr>
+            </a:br>
+            <a:r>
+              <a:rPr lang="en-US" dirty="0">
+                <a:solidFill>
+                  <a:schemeClr val="accent6"/>
+                </a:solidFill>
+              </a:rPr>
+              <a:t/>
+            </a:r>
+            <a:br>
+              <a:rPr lang="en-US" dirty="0">
+                <a:solidFill>
+                  <a:schemeClr val="accent6"/>
+                </a:solidFill>
+              </a:rPr>
+            </a:br>
+            <a:r>
+              <a:rPr lang="en-US" dirty="0" smtClean="0">
+                <a:solidFill>
+                  <a:schemeClr val="accent6"/>
+                </a:solidFill>
+              </a:rPr>
+              <a:t/>
+            </a:r>
+            <a:br>
+              <a:rPr lang="en-US" dirty="0" smtClean="0">
+                <a:solidFill>
+                  <a:schemeClr val="accent6"/>
+                </a:solidFill>
+              </a:rPr>
+            </a:br>
+            <a:r>
+              <a:rPr lang="en-US" dirty="0">
+                <a:solidFill>
+                  <a:schemeClr val="accent6"/>
+                </a:solidFill>
+              </a:rPr>
+              <a:t/>
+            </a:r>
+            <a:br>
+              <a:rPr lang="en-US" dirty="0">
+                <a:solidFill>
+                  <a:schemeClr val="accent6"/>
+                </a:solidFill>
+              </a:rPr>
+            </a:br>
+            <a:r>
+              <a:rPr lang="en-US" dirty="0" smtClean="0">
+                <a:solidFill>
+                  <a:schemeClr val="accent6"/>
+                </a:solidFill>
+              </a:rPr>
+              <a:t/>
+            </a:r>
+            <a:br>
+              <a:rPr lang="en-US" dirty="0" smtClean="0">
+                <a:solidFill>
+                  <a:schemeClr val="accent6"/>
+                </a:solidFill>
+              </a:rPr>
+            </a:br>
+            <a:r>
+              <a:rPr lang="en-US" dirty="0">
+                <a:solidFill>
+                  <a:schemeClr val="accent6"/>
+                </a:solidFill>
+              </a:rPr>
+              <a:t/>
+            </a:r>
+            <a:br>
+              <a:rPr lang="en-US" dirty="0">
+                <a:solidFill>
+                  <a:schemeClr val="accent6"/>
+                </a:solidFill>
+              </a:rPr>
+            </a:br>
+            <a:r>
+              <a:rPr lang="en-US" dirty="0" smtClean="0">
+                <a:solidFill>
+                  <a:schemeClr val="accent6"/>
+                </a:solidFill>
+              </a:rPr>
+              <a:t/>
+            </a:r>
+            <a:br>
+              <a:rPr lang="en-US" dirty="0" smtClean="0">
+                <a:solidFill>
+                  <a:schemeClr val="accent6"/>
+                </a:solidFill>
+              </a:rPr>
+            </a:br>
+            <a:r>
+              <a:rPr lang="en-US" sz="2400" dirty="0" smtClean="0">
+                <a:solidFill>
+                  <a:schemeClr val="accent6"/>
+                </a:solidFill>
+              </a:rPr>
+              <a:t>Changing file/directory permissions</a:t>
+            </a:r>
+            <a:br>
+              <a:rPr lang="en-US" sz="2400" dirty="0" smtClean="0">
+                <a:solidFill>
+                  <a:schemeClr val="accent6"/>
+                </a:solidFill>
+              </a:rPr>
+            </a:br>
+            <a:r>
+              <a:rPr lang="en-US" sz="2400" dirty="0">
+                <a:solidFill>
+                  <a:schemeClr val="accent6"/>
+                </a:solidFill>
+              </a:rPr>
+              <a:t/>
+            </a:r>
+            <a:br>
+              <a:rPr lang="en-US" sz="2400" dirty="0">
+                <a:solidFill>
+                  <a:schemeClr val="accent6"/>
+                </a:solidFill>
+              </a:rPr>
+            </a:br>
+            <a:r>
+              <a:rPr lang="en-US" sz="2400" dirty="0" smtClean="0">
+                <a:solidFill>
+                  <a:schemeClr val="accent6"/>
+                </a:solidFill>
+              </a:rPr>
+              <a:t>Symbolic method:</a:t>
+            </a:r>
+            <a:r>
+              <a:rPr lang="en-US" sz="2400" dirty="0">
+                <a:solidFill>
+                  <a:schemeClr val="accent6"/>
+                </a:solidFill>
+              </a:rPr>
+              <a:t/>
+            </a:r>
+            <a:br>
+              <a:rPr lang="en-US" sz="2400" dirty="0">
+                <a:solidFill>
+                  <a:schemeClr val="accent6"/>
+                </a:solidFill>
+              </a:rPr>
+            </a:br>
+            <a:r>
+              <a:rPr lang="en-US" sz="2400" dirty="0" err="1" smtClean="0">
+                <a:solidFill>
+                  <a:schemeClr val="bg2"/>
+                </a:solidFill>
+              </a:rPr>
+              <a:t>chmod</a:t>
+            </a:r>
+            <a:r>
+              <a:rPr lang="en-US" sz="2400" dirty="0" smtClean="0">
+                <a:solidFill>
+                  <a:schemeClr val="bg2"/>
+                </a:solidFill>
+              </a:rPr>
+              <a:t> </a:t>
+            </a:r>
+            <a:r>
+              <a:rPr lang="en-US" sz="2400" dirty="0" err="1" smtClean="0">
+                <a:solidFill>
+                  <a:schemeClr val="bg2"/>
+                </a:solidFill>
+              </a:rPr>
+              <a:t>who?what?which</a:t>
+            </a:r>
+            <a:r>
+              <a:rPr lang="en-US" sz="2400" dirty="0" smtClean="0">
+                <a:solidFill>
+                  <a:schemeClr val="bg2"/>
+                </a:solidFill>
+              </a:rPr>
+              <a:t>? </a:t>
+            </a:r>
+            <a:r>
+              <a:rPr lang="en-US" sz="2400" dirty="0" err="1" smtClean="0">
+                <a:solidFill>
+                  <a:schemeClr val="bg2"/>
+                </a:solidFill>
+              </a:rPr>
+              <a:t>File|directory</a:t>
+            </a:r>
+            <a:r>
+              <a:rPr lang="en-US" sz="2400" dirty="0" smtClean="0">
+                <a:solidFill>
+                  <a:schemeClr val="accent6"/>
+                </a:solidFill>
+              </a:rPr>
+              <a:t/>
+            </a:r>
+            <a:br>
+              <a:rPr lang="en-US" sz="2400" dirty="0" smtClean="0">
+                <a:solidFill>
+                  <a:schemeClr val="accent6"/>
+                </a:solidFill>
+              </a:rPr>
+            </a:br>
+            <a:r>
+              <a:rPr lang="en-US" sz="2400" dirty="0">
+                <a:solidFill>
+                  <a:schemeClr val="accent6"/>
+                </a:solidFill>
+              </a:rPr>
+              <a:t/>
+            </a:r>
+            <a:br>
+              <a:rPr lang="en-US" sz="2400" dirty="0">
+                <a:solidFill>
+                  <a:schemeClr val="accent6"/>
+                </a:solidFill>
+              </a:rPr>
+            </a:br>
+            <a:r>
+              <a:rPr lang="en-US" sz="2400" dirty="0" smtClean="0">
+                <a:solidFill>
+                  <a:schemeClr val="accent6"/>
+                </a:solidFill>
+              </a:rPr>
+              <a:t>Who ? u, g, o, a (user, group, other, all)</a:t>
+            </a:r>
+            <a:br>
+              <a:rPr lang="en-US" sz="2400" dirty="0" smtClean="0">
+                <a:solidFill>
+                  <a:schemeClr val="accent6"/>
+                </a:solidFill>
+              </a:rPr>
+            </a:br>
+            <a:r>
+              <a:rPr lang="en-US" sz="2400" dirty="0" smtClean="0">
+                <a:solidFill>
+                  <a:schemeClr val="accent6"/>
+                </a:solidFill>
+              </a:rPr>
+              <a:t>What ? +,-,= (add, remove, set exactly)</a:t>
+            </a:r>
+            <a:br>
+              <a:rPr lang="en-US" sz="2400" dirty="0" smtClean="0">
+                <a:solidFill>
+                  <a:schemeClr val="accent6"/>
+                </a:solidFill>
+              </a:rPr>
+            </a:br>
+            <a:r>
+              <a:rPr lang="en-US" sz="2400" dirty="0" smtClean="0">
+                <a:solidFill>
+                  <a:schemeClr val="accent6"/>
+                </a:solidFill>
+              </a:rPr>
+              <a:t>Which ? r, w, x(read, write, execute)</a:t>
+            </a:r>
+            <a:br>
+              <a:rPr lang="en-US" sz="2400" dirty="0" smtClean="0">
+                <a:solidFill>
+                  <a:schemeClr val="accent6"/>
+                </a:solidFill>
+              </a:rPr>
+            </a:br>
+            <a:r>
+              <a:rPr lang="en-US" sz="2400" dirty="0" smtClean="0">
+                <a:solidFill>
+                  <a:schemeClr val="accent6"/>
+                </a:solidFill>
+              </a:rPr>
+              <a:t/>
+            </a:r>
+            <a:br>
+              <a:rPr lang="en-US" sz="2400" dirty="0" smtClean="0">
+                <a:solidFill>
+                  <a:schemeClr val="accent6"/>
+                </a:solidFill>
+              </a:rPr>
+            </a:br>
+            <a:r>
+              <a:rPr lang="en-US" sz="2400" dirty="0" smtClean="0">
+                <a:solidFill>
+                  <a:schemeClr val="accent6"/>
+                </a:solidFill>
+              </a:rPr>
+              <a:t>Numeric method:</a:t>
+            </a:r>
+            <a:br>
+              <a:rPr lang="en-US" sz="2400" dirty="0" smtClean="0">
+                <a:solidFill>
+                  <a:schemeClr val="accent6"/>
+                </a:solidFill>
+              </a:rPr>
+            </a:br>
+            <a:r>
+              <a:rPr lang="en-US" sz="2400" dirty="0">
+                <a:solidFill>
+                  <a:schemeClr val="accent6"/>
+                </a:solidFill>
+              </a:rPr>
+              <a:t/>
+            </a:r>
+            <a:br>
+              <a:rPr lang="en-US" sz="2400" dirty="0">
+                <a:solidFill>
+                  <a:schemeClr val="accent6"/>
+                </a:solidFill>
+              </a:rPr>
+            </a:br>
+            <a:r>
+              <a:rPr lang="en-US" sz="2400" dirty="0" err="1" smtClean="0">
+                <a:solidFill>
+                  <a:schemeClr val="bg2"/>
+                </a:solidFill>
+              </a:rPr>
+              <a:t>chmod</a:t>
+            </a:r>
+            <a:r>
+              <a:rPr lang="en-US" sz="2400" dirty="0" smtClean="0">
+                <a:solidFill>
+                  <a:schemeClr val="bg2"/>
+                </a:solidFill>
+              </a:rPr>
+              <a:t> 750 </a:t>
+            </a:r>
+            <a:r>
+              <a:rPr lang="en-US" sz="2400" dirty="0" err="1" smtClean="0">
+                <a:solidFill>
+                  <a:schemeClr val="bg2"/>
+                </a:solidFill>
+              </a:rPr>
+              <a:t>sampledir</a:t>
+            </a:r>
+            <a:r>
+              <a:rPr lang="en-US" sz="2400" dirty="0" smtClean="0">
+                <a:solidFill>
+                  <a:schemeClr val="bg2"/>
+                </a:solidFill>
+              </a:rPr>
+              <a:t/>
+            </a:r>
+            <a:br>
+              <a:rPr lang="en-US" sz="2400" dirty="0" smtClean="0">
+                <a:solidFill>
+                  <a:schemeClr val="bg2"/>
+                </a:solidFill>
+              </a:rPr>
+            </a:br>
+            <a:r>
+              <a:rPr lang="en-US" sz="2400" dirty="0" smtClean="0">
+                <a:solidFill>
+                  <a:schemeClr val="accent6"/>
+                </a:solidFill>
+              </a:rPr>
+              <a:t/>
+            </a:r>
+            <a:br>
+              <a:rPr lang="en-US" sz="2400" dirty="0" smtClean="0">
+                <a:solidFill>
+                  <a:schemeClr val="accent6"/>
+                </a:solidFill>
+              </a:rPr>
+            </a:br>
+            <a:r>
+              <a:rPr lang="en-US" sz="2400" dirty="0" smtClean="0">
+                <a:solidFill>
+                  <a:schemeClr val="accent6"/>
+                </a:solidFill>
+              </a:rPr>
+              <a:t>The </a:t>
+            </a:r>
+            <a:r>
+              <a:rPr lang="en-US" sz="2400" dirty="0" err="1" smtClean="0">
+                <a:solidFill>
+                  <a:schemeClr val="accent6"/>
+                </a:solidFill>
+              </a:rPr>
+              <a:t>chmod</a:t>
+            </a:r>
+            <a:r>
+              <a:rPr lang="en-US" sz="2400" dirty="0" smtClean="0">
+                <a:solidFill>
+                  <a:schemeClr val="accent6"/>
+                </a:solidFill>
+              </a:rPr>
+              <a:t> commands supports the </a:t>
+            </a:r>
+            <a:r>
+              <a:rPr lang="mr-IN" sz="2400" dirty="0" smtClean="0">
+                <a:solidFill>
+                  <a:schemeClr val="bg2"/>
+                </a:solidFill>
+              </a:rPr>
+              <a:t>–</a:t>
+            </a:r>
+            <a:r>
+              <a:rPr lang="en-US" sz="2400" dirty="0" smtClean="0">
+                <a:solidFill>
+                  <a:schemeClr val="bg2"/>
+                </a:solidFill>
+              </a:rPr>
+              <a:t>R</a:t>
+            </a:r>
+            <a:r>
+              <a:rPr lang="en-US" sz="2400" dirty="0" smtClean="0">
+                <a:solidFill>
+                  <a:schemeClr val="accent6"/>
+                </a:solidFill>
+              </a:rPr>
+              <a:t> option for recursively setting permissions on an entire directory tree. When using this option, be sure to use the </a:t>
+            </a:r>
+            <a:r>
+              <a:rPr lang="en-US" sz="2400" dirty="0" smtClean="0">
+                <a:solidFill>
+                  <a:schemeClr val="bg2"/>
+                </a:solidFill>
+              </a:rPr>
+              <a:t>X </a:t>
+            </a:r>
+            <a:r>
+              <a:rPr lang="en-US" sz="2400" dirty="0" smtClean="0">
+                <a:solidFill>
+                  <a:schemeClr val="accent6"/>
+                </a:solidFill>
+              </a:rPr>
+              <a:t>permissions instead of the </a:t>
+            </a:r>
+            <a:r>
+              <a:rPr lang="en-US" sz="2400" dirty="0" smtClean="0">
+                <a:solidFill>
+                  <a:schemeClr val="bg2"/>
+                </a:solidFill>
+              </a:rPr>
+              <a:t>x</a:t>
+            </a:r>
+            <a:r>
+              <a:rPr lang="en-US" sz="2400" dirty="0" smtClean="0">
+                <a:solidFill>
+                  <a:schemeClr val="accent6"/>
+                </a:solidFill>
+              </a:rPr>
+              <a:t> to indicate that execute permissions should only be set on directories, not regular files.</a:t>
+            </a:r>
+            <a:endParaRPr lang="en-US" sz="2400" dirty="0">
+              <a:solidFill>
+                <a:schemeClr val="accent6"/>
+              </a:solidFill>
+            </a:endParaRPr>
+          </a:p>
+        </p:txBody>
+      </p:sp>
+    </p:spTree>
+    <p:extLst>
+      <p:ext uri="{BB962C8B-B14F-4D97-AF65-F5344CB8AC3E}">
+        <p14:creationId xmlns:p14="http://schemas.microsoft.com/office/powerpoint/2010/main" val="1515403968"/>
+      </p:ext>
+    </p:extLst>
+  </p:cSld>
+  <p:clrMapOvr>
+    <a:masterClrMapping/>
+  </p:clrMapOvr>
+</p:sld>
+</file>
+
+<file path=ppt/slides/slide4.xml><?xml version="1.0" encoding="utf-8"?>
+<p:sld xmlns:a="http://schemas.openxmlformats.org/drawingml/2006/main" xmlns:r="http://schemas.openxmlformats.org/officeDocument/2006/relationships" xmlns:p="http://schemas.openxmlformats.org/presentationml/2006/main">
+  <p:cSld>
+    <p:spTree>
+      <p:nvGrpSpPr>
+        <p:cNvPr id="1" name=""/>
+        <p:cNvGrpSpPr/>
+        <p:nvPr/>
+      </p:nvGrpSpPr>
+      <p:grpSpPr>
+        <a:xfrm>
+          <a:off x="0" y="0"/>
+          <a:ext cx="0" cy="0"/>
+          <a:chOff x="0" y="0"/>
+          <a:chExt cx="0" cy="0"/>
+        </a:xfrm>
+      </p:grpSpPr>
+      <p:sp>
+        <p:nvSpPr>
+          <p:cNvPr id="2" name="Title 1"/>
+          <p:cNvSpPr>
+            <a:spLocks noGrp="1"/>
+          </p:cNvSpPr>
+          <p:nvPr>
+            <p:ph type="title"/>
+          </p:nvPr>
+        </p:nvSpPr>
+        <p:spPr/>
+        <p:txBody>
+          <a:bodyPr>
+            <a:normAutofit fontScale="90000"/>
+          </a:bodyPr>
+          <a:lstStyle/>
+          <a:p>
+            <a:r>
+              <a:rPr lang="en-US" dirty="0" smtClean="0"/>
+              <a:t/>
+            </a:r>
+            <a:br>
+              <a:rPr lang="en-US" dirty="0" smtClean="0"/>
+            </a:br>
+            <a:r>
+              <a:rPr lang="en-US" dirty="0"/>
+              <a:t/>
+            </a:r>
+            <a:br>
+              <a:rPr lang="en-US" dirty="0"/>
+            </a:br>
+            <a:r>
+              <a:rPr lang="en-US" dirty="0" smtClean="0"/>
+              <a:t/>
+            </a:r>
+            <a:br>
+              <a:rPr lang="en-US" dirty="0" smtClean="0"/>
+            </a:br>
+            <a:r>
+              <a:rPr lang="en-US" dirty="0"/>
+              <a:t/>
+            </a:r>
+            <a:br>
+              <a:rPr lang="en-US" dirty="0"/>
+            </a:br>
+            <a:r>
+              <a:rPr lang="en-US" dirty="0" smtClean="0"/>
+              <a:t/>
+            </a:r>
+            <a:br>
+              <a:rPr lang="en-US" dirty="0" smtClean="0"/>
+            </a:br>
+            <a:r>
+              <a:rPr lang="en-US" dirty="0"/>
+              <a:t/>
+            </a:r>
+            <a:br>
+              <a:rPr lang="en-US" dirty="0"/>
+            </a:br>
+            <a:r>
+              <a:rPr lang="en-US" dirty="0" smtClean="0"/>
+              <a:t/>
+            </a:r>
+            <a:br>
+              <a:rPr lang="en-US" dirty="0" smtClean="0"/>
+            </a:br>
+            <a:r>
+              <a:rPr lang="en-US" dirty="0" err="1" smtClean="0"/>
+              <a:t>C</a:t>
+            </a:r>
+            <a:r>
+              <a:rPr lang="en-US" dirty="0" err="1" smtClean="0">
+                <a:solidFill>
+                  <a:schemeClr val="accent6"/>
+                </a:solidFill>
+              </a:rPr>
+              <a:t>Changing</a:t>
+            </a:r>
+            <a:r>
+              <a:rPr lang="en-US" dirty="0" smtClean="0">
+                <a:solidFill>
+                  <a:schemeClr val="accent6"/>
+                </a:solidFill>
+              </a:rPr>
+              <a:t> file/directory user or group ownership</a:t>
+            </a:r>
+            <a:br>
+              <a:rPr lang="en-US" dirty="0" smtClean="0">
+                <a:solidFill>
+                  <a:schemeClr val="accent6"/>
+                </a:solidFill>
+              </a:rPr>
+            </a:br>
+            <a:r>
+              <a:rPr lang="en-US" dirty="0" smtClean="0">
+                <a:solidFill>
+                  <a:schemeClr val="accent6"/>
+                </a:solidFill>
+              </a:rPr>
+              <a:t/>
+            </a:r>
+            <a:br>
+              <a:rPr lang="en-US" dirty="0" smtClean="0">
+                <a:solidFill>
+                  <a:schemeClr val="accent6"/>
+                </a:solidFill>
+              </a:rPr>
+            </a:br>
+            <a:r>
+              <a:rPr lang="en-US" dirty="0" err="1" smtClean="0">
+                <a:solidFill>
+                  <a:schemeClr val="bg1"/>
+                </a:solidFill>
+              </a:rPr>
+              <a:t>chown</a:t>
+            </a:r>
+            <a:r>
+              <a:rPr lang="en-US" dirty="0">
+                <a:solidFill>
+                  <a:schemeClr val="bg1"/>
+                </a:solidFill>
+              </a:rPr>
+              <a:t> </a:t>
+            </a:r>
+            <a:r>
+              <a:rPr lang="en-US" dirty="0" smtClean="0">
+                <a:solidFill>
+                  <a:schemeClr val="bg1"/>
+                </a:solidFill>
+              </a:rPr>
+              <a:t>student file</a:t>
+            </a:r>
+            <a:r>
+              <a:rPr lang="en-US" dirty="0" smtClean="0">
+                <a:solidFill>
+                  <a:schemeClr val="accent6"/>
+                </a:solidFill>
+              </a:rPr>
+              <a:t/>
+            </a:r>
+            <a:br>
+              <a:rPr lang="en-US" dirty="0" smtClean="0">
+                <a:solidFill>
+                  <a:schemeClr val="accent6"/>
+                </a:solidFill>
+              </a:rPr>
+            </a:br>
+            <a:r>
+              <a:rPr lang="en-US" dirty="0" err="1" smtClean="0">
+                <a:solidFill>
+                  <a:schemeClr val="bg1"/>
+                </a:solidFill>
+              </a:rPr>
+              <a:t>chown</a:t>
+            </a:r>
+            <a:r>
+              <a:rPr lang="en-US" dirty="0" smtClean="0">
+                <a:solidFill>
+                  <a:schemeClr val="bg1"/>
+                </a:solidFill>
+              </a:rPr>
+              <a:t> -R student </a:t>
+            </a:r>
+            <a:r>
+              <a:rPr lang="en-US" dirty="0" err="1" smtClean="0">
+                <a:solidFill>
+                  <a:schemeClr val="bg1"/>
+                </a:solidFill>
+              </a:rPr>
+              <a:t>dir</a:t>
+            </a:r>
+            <a:r>
+              <a:rPr lang="en-US" dirty="0" smtClean="0">
+                <a:solidFill>
+                  <a:schemeClr val="bg1"/>
+                </a:solidFill>
+              </a:rPr>
+              <a:t/>
+            </a:r>
+            <a:br>
+              <a:rPr lang="en-US" dirty="0" smtClean="0">
+                <a:solidFill>
+                  <a:schemeClr val="bg1"/>
+                </a:solidFill>
+              </a:rPr>
+            </a:br>
+            <a:r>
+              <a:rPr lang="en-US" dirty="0" err="1" smtClean="0">
+                <a:solidFill>
+                  <a:schemeClr val="bg1"/>
+                </a:solidFill>
+              </a:rPr>
+              <a:t>chown</a:t>
+            </a:r>
+            <a:r>
+              <a:rPr lang="en-US" dirty="0" smtClean="0">
+                <a:solidFill>
+                  <a:schemeClr val="bg1"/>
+                </a:solidFill>
+              </a:rPr>
+              <a:t> :admins </a:t>
+            </a:r>
+            <a:r>
+              <a:rPr lang="en-US" dirty="0" err="1" smtClean="0">
+                <a:solidFill>
+                  <a:schemeClr val="bg1"/>
+                </a:solidFill>
+              </a:rPr>
+              <a:t>dir</a:t>
+            </a:r>
+            <a:r>
+              <a:rPr lang="en-US" dirty="0">
+                <a:solidFill>
+                  <a:schemeClr val="accent6"/>
+                </a:solidFill>
+              </a:rPr>
+              <a:t/>
+            </a:r>
+            <a:br>
+              <a:rPr lang="en-US" dirty="0">
+                <a:solidFill>
+                  <a:schemeClr val="accent6"/>
+                </a:solidFill>
+              </a:rPr>
+            </a:br>
+            <a:endParaRPr lang="en-US" dirty="0"/>
+          </a:p>
+        </p:txBody>
+      </p:sp>
+    </p:spTree>
+    <p:extLst>
+      <p:ext uri="{BB962C8B-B14F-4D97-AF65-F5344CB8AC3E}">
+        <p14:creationId xmlns:p14="http://schemas.microsoft.com/office/powerpoint/2010/main" val="259351436"/>
+      </p:ext>
+    </p:extLst>
+  </p:cSld>
+  <p:clrMapOvr>
+    <a:masterClrMapping/>
+  </p:clrMapOvr>
+</p:sld>
+</file>
+
+<file path=ppt/slides/slide5.xml><?xml version="1.0" encoding="utf-8"?>
+<p:sld xmlns:a="http://schemas.openxmlformats.org/drawingml/2006/main" xmlns:r="http://schemas.openxmlformats.org/officeDocument/2006/relationships" xmlns:p="http://schemas.openxmlformats.org/presentationml/2006/main">
+  <p:cSld>
+    <p:spTree>
+      <p:nvGrpSpPr>
+        <p:cNvPr id="1" name=""/>
+        <p:cNvGrpSpPr/>
+        <p:nvPr/>
+      </p:nvGrpSpPr>
+      <p:grpSpPr>
+        <a:xfrm>
+          <a:off x="0" y="0"/>
+          <a:ext cx="0" cy="0"/>
+          <a:chOff x="0" y="0"/>
+          <a:chExt cx="0" cy="0"/>
+        </a:xfrm>
+      </p:grpSpPr>
+      <p:sp>
+        <p:nvSpPr>
           <p:cNvPr id="3" name="Title 2"/>
           <p:cNvSpPr>
             <a:spLocks noGrp="1"/>
@@ -4300,7 +5032,7 @@
 </p:sld>
 </file>
 
-<file path=ppt/slides/slide4.xml><?xml version="1.0" encoding="utf-8"?>
+<file path=ppt/slides/slide6.xml><?xml version="1.0" encoding="utf-8"?>
 <p:sld xmlns:a="http://schemas.openxmlformats.org/drawingml/2006/main" xmlns:r="http://schemas.openxmlformats.org/officeDocument/2006/relationships" xmlns:p="http://schemas.openxmlformats.org/presentationml/2006/main">
   <p:cSld>
     <p:spTree>
@@ -4730,7 +5462,518 @@
 </p:sld>
 </file>
 
-<file path=ppt/slides/slide5.xml><?xml version="1.0" encoding="utf-8"?>
+<file path=ppt/slides/slide7.xml><?xml version="1.0" encoding="utf-8"?>
+<p:sld xmlns:a="http://schemas.openxmlformats.org/drawingml/2006/main" xmlns:r="http://schemas.openxmlformats.org/officeDocument/2006/relationships" xmlns:p="http://schemas.openxmlformats.org/presentationml/2006/main">
+  <p:cSld>
+    <p:spTree>
+      <p:nvGrpSpPr>
+        <p:cNvPr id="1" name=""/>
+        <p:cNvGrpSpPr/>
+        <p:nvPr/>
+      </p:nvGrpSpPr>
+      <p:grpSpPr>
+        <a:xfrm>
+          <a:off x="0" y="0"/>
+          <a:ext cx="0" cy="0"/>
+          <a:chOff x="0" y="0"/>
+          <a:chExt cx="0" cy="0"/>
+        </a:xfrm>
+      </p:grpSpPr>
+      <p:sp>
+        <p:nvSpPr>
+          <p:cNvPr id="2" name="Title 1"/>
+          <p:cNvSpPr>
+            <a:spLocks noGrp="1"/>
+          </p:cNvSpPr>
+          <p:nvPr>
+            <p:ph type="title"/>
+          </p:nvPr>
+        </p:nvSpPr>
+        <p:spPr/>
+        <p:txBody>
+          <a:bodyPr>
+            <a:normAutofit fontScale="90000"/>
+          </a:bodyPr>
+          <a:lstStyle/>
+          <a:p>
+            <a:r>
+              <a:rPr lang="en-US" dirty="0" smtClean="0">
+                <a:solidFill>
+                  <a:schemeClr val="accent6"/>
+                </a:solidFill>
+              </a:rPr>
+              <a:t/>
+            </a:r>
+            <a:br>
+              <a:rPr lang="en-US" dirty="0" smtClean="0">
+                <a:solidFill>
+                  <a:schemeClr val="accent6"/>
+                </a:solidFill>
+              </a:rPr>
+            </a:br>
+            <a:r>
+              <a:rPr lang="en-US" dirty="0">
+                <a:solidFill>
+                  <a:schemeClr val="accent6"/>
+                </a:solidFill>
+              </a:rPr>
+              <a:t/>
+            </a:r>
+            <a:br>
+              <a:rPr lang="en-US" dirty="0">
+                <a:solidFill>
+                  <a:schemeClr val="accent6"/>
+                </a:solidFill>
+              </a:rPr>
+            </a:br>
+            <a:r>
+              <a:rPr lang="en-US" dirty="0" smtClean="0">
+                <a:solidFill>
+                  <a:schemeClr val="accent6"/>
+                </a:solidFill>
+              </a:rPr>
+              <a:t/>
+            </a:r>
+            <a:br>
+              <a:rPr lang="en-US" dirty="0" smtClean="0">
+                <a:solidFill>
+                  <a:schemeClr val="accent6"/>
+                </a:solidFill>
+              </a:rPr>
+            </a:br>
+            <a:r>
+              <a:rPr lang="en-US" dirty="0">
+                <a:solidFill>
+                  <a:schemeClr val="accent6"/>
+                </a:solidFill>
+              </a:rPr>
+              <a:t/>
+            </a:r>
+            <a:br>
+              <a:rPr lang="en-US" dirty="0">
+                <a:solidFill>
+                  <a:schemeClr val="accent6"/>
+                </a:solidFill>
+              </a:rPr>
+            </a:br>
+            <a:r>
+              <a:rPr lang="en-US" dirty="0" smtClean="0">
+                <a:solidFill>
+                  <a:schemeClr val="accent6"/>
+                </a:solidFill>
+              </a:rPr>
+              <a:t/>
+            </a:r>
+            <a:br>
+              <a:rPr lang="en-US" dirty="0" smtClean="0">
+                <a:solidFill>
+                  <a:schemeClr val="accent6"/>
+                </a:solidFill>
+              </a:rPr>
+            </a:br>
+            <a:r>
+              <a:rPr lang="en-US" dirty="0">
+                <a:solidFill>
+                  <a:schemeClr val="accent6"/>
+                </a:solidFill>
+              </a:rPr>
+              <a:t/>
+            </a:r>
+            <a:br>
+              <a:rPr lang="en-US" dirty="0">
+                <a:solidFill>
+                  <a:schemeClr val="accent6"/>
+                </a:solidFill>
+              </a:rPr>
+            </a:br>
+            <a:r>
+              <a:rPr lang="en-US" dirty="0" smtClean="0">
+                <a:solidFill>
+                  <a:schemeClr val="accent6"/>
+                </a:solidFill>
+              </a:rPr>
+              <a:t/>
+            </a:r>
+            <a:br>
+              <a:rPr lang="en-US" dirty="0" smtClean="0">
+                <a:solidFill>
+                  <a:schemeClr val="accent6"/>
+                </a:solidFill>
+              </a:rPr>
+            </a:br>
+            <a:r>
+              <a:rPr lang="en-US" dirty="0">
+                <a:solidFill>
+                  <a:schemeClr val="accent6"/>
+                </a:solidFill>
+              </a:rPr>
+              <a:t/>
+            </a:r>
+            <a:br>
+              <a:rPr lang="en-US" dirty="0">
+                <a:solidFill>
+                  <a:schemeClr val="accent6"/>
+                </a:solidFill>
+              </a:rPr>
+            </a:br>
+            <a:r>
+              <a:rPr lang="en-US" dirty="0" smtClean="0">
+                <a:solidFill>
+                  <a:schemeClr val="accent6"/>
+                </a:solidFill>
+              </a:rPr>
+              <a:t/>
+            </a:r>
+            <a:br>
+              <a:rPr lang="en-US" dirty="0" smtClean="0">
+                <a:solidFill>
+                  <a:schemeClr val="accent6"/>
+                </a:solidFill>
+              </a:rPr>
+            </a:br>
+            <a:r>
+              <a:rPr lang="en-US" sz="3100" dirty="0" smtClean="0">
+                <a:solidFill>
+                  <a:schemeClr val="accent6"/>
+                </a:solidFill>
+              </a:rPr>
+              <a:t>The system default </a:t>
+            </a:r>
+            <a:r>
+              <a:rPr lang="en-US" sz="3100" dirty="0" err="1" smtClean="0">
+                <a:solidFill>
+                  <a:schemeClr val="accent6"/>
+                </a:solidFill>
+              </a:rPr>
+              <a:t>umask</a:t>
+            </a:r>
+            <a:r>
+              <a:rPr lang="en-US" sz="3100" dirty="0" smtClean="0">
+                <a:solidFill>
+                  <a:schemeClr val="accent6"/>
+                </a:solidFill>
+              </a:rPr>
+              <a:t> values for Bash shell users are defined in ‘</a:t>
+            </a:r>
+            <a:r>
+              <a:rPr lang="en-US" sz="3100" dirty="0" smtClean="0">
+                <a:solidFill>
+                  <a:schemeClr val="bg1"/>
+                </a:solidFill>
+              </a:rPr>
+              <a:t>/</a:t>
+            </a:r>
+            <a:r>
+              <a:rPr lang="en-US" sz="3100" dirty="0" err="1" smtClean="0">
+                <a:solidFill>
+                  <a:schemeClr val="bg1"/>
+                </a:solidFill>
+              </a:rPr>
+              <a:t>etc</a:t>
+            </a:r>
+            <a:r>
+              <a:rPr lang="en-US" sz="3100" dirty="0" smtClean="0">
+                <a:solidFill>
+                  <a:schemeClr val="bg1"/>
+                </a:solidFill>
+              </a:rPr>
+              <a:t>/profile</a:t>
+            </a:r>
+            <a:r>
+              <a:rPr lang="en-US" sz="3100" dirty="0" smtClean="0">
+                <a:solidFill>
+                  <a:schemeClr val="accent6"/>
+                </a:solidFill>
+              </a:rPr>
+              <a:t>’ and ‘</a:t>
+            </a:r>
+            <a:r>
+              <a:rPr lang="en-US" sz="3100" dirty="0" smtClean="0">
+                <a:solidFill>
+                  <a:schemeClr val="bg1"/>
+                </a:solidFill>
+              </a:rPr>
+              <a:t>/</a:t>
+            </a:r>
+            <a:r>
+              <a:rPr lang="en-US" sz="3100" dirty="0" err="1" smtClean="0">
+                <a:solidFill>
+                  <a:schemeClr val="bg1"/>
+                </a:solidFill>
+              </a:rPr>
+              <a:t>etc</a:t>
+            </a:r>
+            <a:r>
+              <a:rPr lang="en-US" sz="3100" dirty="0" smtClean="0">
+                <a:solidFill>
+                  <a:schemeClr val="bg1"/>
+                </a:solidFill>
+              </a:rPr>
+              <a:t>/</a:t>
+            </a:r>
+            <a:r>
+              <a:rPr lang="en-US" sz="3100" dirty="0" err="1" smtClean="0">
+                <a:solidFill>
+                  <a:schemeClr val="bg1"/>
+                </a:solidFill>
+              </a:rPr>
+              <a:t>bashrc</a:t>
+            </a:r>
+            <a:r>
+              <a:rPr lang="en-US" sz="3100" dirty="0" smtClean="0">
+                <a:solidFill>
+                  <a:schemeClr val="accent6"/>
+                </a:solidFill>
+              </a:rPr>
+              <a:t>’. Users can override the system defaults in their </a:t>
+            </a:r>
+            <a:r>
+              <a:rPr lang="en-US" sz="3100" dirty="0" smtClean="0">
+                <a:solidFill>
+                  <a:schemeClr val="bg1"/>
+                </a:solidFill>
+              </a:rPr>
+              <a:t>.</a:t>
+            </a:r>
+            <a:r>
+              <a:rPr lang="en-US" sz="3100" dirty="0" err="1" smtClean="0">
+                <a:solidFill>
+                  <a:schemeClr val="bg1"/>
+                </a:solidFill>
+              </a:rPr>
+              <a:t>bash_profile</a:t>
+            </a:r>
+            <a:r>
+              <a:rPr lang="en-US" sz="3100" dirty="0" smtClean="0">
+                <a:solidFill>
+                  <a:schemeClr val="bg1"/>
+                </a:solidFill>
+              </a:rPr>
+              <a:t> </a:t>
+            </a:r>
+            <a:r>
+              <a:rPr lang="en-US" sz="3100" dirty="0" smtClean="0">
+                <a:solidFill>
+                  <a:schemeClr val="accent6"/>
+                </a:solidFill>
+              </a:rPr>
+              <a:t>and </a:t>
+            </a:r>
+            <a:r>
+              <a:rPr lang="en-US" sz="3100" dirty="0" smtClean="0">
+                <a:solidFill>
+                  <a:schemeClr val="bg1"/>
+                </a:solidFill>
+              </a:rPr>
+              <a:t>.</a:t>
+            </a:r>
+            <a:r>
+              <a:rPr lang="en-US" sz="3100" dirty="0" err="1" smtClean="0">
+                <a:solidFill>
+                  <a:schemeClr val="bg1"/>
+                </a:solidFill>
+              </a:rPr>
+              <a:t>bashrc</a:t>
+            </a:r>
+            <a:r>
+              <a:rPr lang="en-US" sz="3100" dirty="0" smtClean="0">
+                <a:solidFill>
+                  <a:schemeClr val="bg1"/>
+                </a:solidFill>
+              </a:rPr>
+              <a:t/>
+            </a:r>
+            <a:br>
+              <a:rPr lang="en-US" sz="3100" dirty="0" smtClean="0">
+                <a:solidFill>
+                  <a:schemeClr val="bg1"/>
+                </a:solidFill>
+              </a:rPr>
+            </a:br>
+            <a:r>
+              <a:rPr lang="en-US" sz="3100" dirty="0">
+                <a:solidFill>
+                  <a:schemeClr val="bg1"/>
+                </a:solidFill>
+              </a:rPr>
+              <a:t/>
+            </a:r>
+            <a:br>
+              <a:rPr lang="en-US" sz="3100" dirty="0">
+                <a:solidFill>
+                  <a:schemeClr val="bg1"/>
+                </a:solidFill>
+              </a:rPr>
+            </a:br>
+            <a:r>
+              <a:rPr lang="en-US" sz="3100" dirty="0" smtClean="0">
+                <a:solidFill>
+                  <a:srgbClr val="FF0000"/>
+                </a:solidFill>
+              </a:rPr>
+              <a:t>Exercises:</a:t>
+            </a:r>
+            <a:br>
+              <a:rPr lang="en-US" sz="3100" dirty="0" smtClean="0">
+                <a:solidFill>
+                  <a:srgbClr val="FF0000"/>
+                </a:solidFill>
+              </a:rPr>
+            </a:br>
+            <a:r>
+              <a:rPr lang="en-US" sz="3100" dirty="0" smtClean="0">
+                <a:solidFill>
+                  <a:schemeClr val="accent6"/>
+                </a:solidFill>
+              </a:rPr>
+              <a:t>1. Create a new file and directory to see how the default </a:t>
+            </a:r>
+            <a:r>
+              <a:rPr lang="en-US" sz="3100" dirty="0" err="1" smtClean="0">
+                <a:solidFill>
+                  <a:schemeClr val="accent6"/>
+                </a:solidFill>
+              </a:rPr>
+              <a:t>umask</a:t>
+            </a:r>
+            <a:r>
+              <a:rPr lang="en-US" sz="3100" dirty="0" smtClean="0">
+                <a:solidFill>
+                  <a:schemeClr val="accent6"/>
+                </a:solidFill>
+              </a:rPr>
+              <a:t> affects permissions.</a:t>
+            </a:r>
+            <a:br>
+              <a:rPr lang="en-US" sz="3100" dirty="0" smtClean="0">
+                <a:solidFill>
+                  <a:schemeClr val="accent6"/>
+                </a:solidFill>
+              </a:rPr>
+            </a:br>
+            <a:r>
+              <a:rPr lang="en-US" sz="3100" dirty="0" smtClean="0">
+                <a:solidFill>
+                  <a:schemeClr val="accent6"/>
+                </a:solidFill>
+              </a:rPr>
+              <a:t>2. Set the </a:t>
+            </a:r>
+            <a:r>
+              <a:rPr lang="en-US" sz="3100" dirty="0" err="1" smtClean="0">
+                <a:solidFill>
+                  <a:schemeClr val="accent6"/>
+                </a:solidFill>
+              </a:rPr>
+              <a:t>umask</a:t>
+            </a:r>
+            <a:r>
+              <a:rPr lang="en-US" sz="3100" dirty="0" smtClean="0">
+                <a:solidFill>
+                  <a:schemeClr val="accent6"/>
+                </a:solidFill>
+              </a:rPr>
+              <a:t> value to 0.</a:t>
+            </a:r>
+            <a:br>
+              <a:rPr lang="en-US" sz="3100" dirty="0" smtClean="0">
+                <a:solidFill>
+                  <a:schemeClr val="accent6"/>
+                </a:solidFill>
+              </a:rPr>
+            </a:br>
+            <a:r>
+              <a:rPr lang="en-US" sz="3100" dirty="0" smtClean="0">
+                <a:solidFill>
+                  <a:schemeClr val="accent6"/>
+                </a:solidFill>
+              </a:rPr>
+              <a:t>3. Repeat step 1 with the new </a:t>
+            </a:r>
+            <a:r>
+              <a:rPr lang="en-US" sz="3100" dirty="0" err="1" smtClean="0">
+                <a:solidFill>
+                  <a:schemeClr val="accent6"/>
+                </a:solidFill>
+              </a:rPr>
+              <a:t>umask</a:t>
+            </a:r>
+            <a:r>
+              <a:rPr lang="en-US" sz="3100" dirty="0" smtClean="0">
+                <a:solidFill>
+                  <a:schemeClr val="accent6"/>
+                </a:solidFill>
+              </a:rPr>
+              <a:t/>
+            </a:r>
+            <a:br>
+              <a:rPr lang="en-US" sz="3100" dirty="0" smtClean="0">
+                <a:solidFill>
+                  <a:schemeClr val="accent6"/>
+                </a:solidFill>
+              </a:rPr>
+            </a:br>
+            <a:r>
+              <a:rPr lang="en-US" sz="3100" dirty="0" smtClean="0">
+                <a:solidFill>
+                  <a:schemeClr val="accent6"/>
+                </a:solidFill>
+              </a:rPr>
+              <a:t>4. Change the </a:t>
+            </a:r>
+            <a:r>
+              <a:rPr lang="en-US" sz="3100" dirty="0" err="1" smtClean="0">
+                <a:solidFill>
+                  <a:schemeClr val="accent6"/>
+                </a:solidFill>
+              </a:rPr>
+              <a:t>umask</a:t>
+            </a:r>
+            <a:r>
+              <a:rPr lang="en-US" sz="3100" dirty="0" smtClean="0">
+                <a:solidFill>
+                  <a:schemeClr val="accent6"/>
+                </a:solidFill>
+              </a:rPr>
+              <a:t> to 007</a:t>
+            </a:r>
+            <a:br>
+              <a:rPr lang="en-US" sz="3100" dirty="0" smtClean="0">
+                <a:solidFill>
+                  <a:schemeClr val="accent6"/>
+                </a:solidFill>
+              </a:rPr>
+            </a:br>
+            <a:r>
+              <a:rPr lang="en-US" sz="3100" dirty="0" smtClean="0">
+                <a:solidFill>
+                  <a:schemeClr val="accent6"/>
+                </a:solidFill>
+              </a:rPr>
+              <a:t>5. Repeat step 1</a:t>
+            </a:r>
+            <a:endParaRPr lang="en-US" sz="3100" dirty="0">
+              <a:solidFill>
+                <a:schemeClr val="bg1"/>
+              </a:solidFill>
+            </a:endParaRPr>
+          </a:p>
+        </p:txBody>
+      </p:sp>
+    </p:spTree>
+    <p:extLst>
+      <p:ext uri="{BB962C8B-B14F-4D97-AF65-F5344CB8AC3E}">
+        <p14:creationId xmlns:p14="http://schemas.microsoft.com/office/powerpoint/2010/main" val="262560709"/>
+      </p:ext>
+    </p:extLst>
+  </p:cSld>
+  <p:clrMapOvr>
+    <a:masterClrMapping/>
+  </p:clrMapOvr>
+</p:sld>
+</file>
+
+<file path=ppt/slides/slide8.xml><?xml version="1.0" encoding="utf-8"?>
 <p:sld xmlns:a="http://schemas.openxmlformats.org/drawingml/2006/main" xmlns:r="http://schemas.openxmlformats.org/officeDocument/2006/relationships" xmlns:p="http://schemas.openxmlformats.org/presentationml/2006/main">
   <p:cSld>
     <p:spTree>
@@ -5472,15 +6715,55 @@
                   <a:schemeClr val="accent6"/>
                 </a:solidFill>
               </a:rPr>
-              <a:t>1. Set up a shared group environment. Create two directories:</a:t>
+              <a:t>1. Set up a shared group environment. Create two </a:t>
+            </a:r>
+            <a:r>
+              <a:rPr lang="en-US" sz="2000" dirty="0" smtClean="0">
+                <a:solidFill>
+                  <a:schemeClr val="accent6"/>
+                </a:solidFill>
+              </a:rPr>
+              <a:t>directories:</a:t>
+            </a:r>
+            <a:r>
+              <a:rPr lang="en-US" sz="2000" dirty="0" smtClean="0">
+                <a:solidFill>
+                  <a:schemeClr val="bg1"/>
+                </a:solidFill>
+              </a:rPr>
+              <a:t> /data/account and /data/sales. </a:t>
+            </a:r>
+            <a:r>
+              <a:rPr lang="en-US" sz="2000" smtClean="0">
+                <a:solidFill>
+                  <a:schemeClr val="accent6"/>
+                </a:solidFill>
+              </a:rPr>
+              <a:t>Make the group sales owner of the directory </a:t>
             </a:r>
             <a:r>
               <a:rPr lang="en-US" sz="2000" dirty="0">
                 <a:solidFill>
-                  <a:schemeClr val="bg1"/>
-                </a:solidFill>
-              </a:rPr>
-              <a:t> /data/account and /data/sales. </a:t>
+                  <a:schemeClr val="accent6"/>
+                </a:solidFill>
+              </a:rPr>
+              <a:t>sales, and make the group account owner </a:t>
+            </a:r>
+            <a:r>
+              <a:rPr lang="en-US" sz="2000">
+                <a:solidFill>
+                  <a:schemeClr val="accent6"/>
+                </a:solidFill>
+              </a:rPr>
+              <a:t>of </a:t>
+            </a:r>
+            <a:r>
+              <a:rPr lang="en-US" sz="2000" smtClean="0">
+                <a:solidFill>
+                  <a:schemeClr val="accent6"/>
+                </a:solidFill>
+              </a:rPr>
+              <a:t>the </a:t>
             </a:r>
             <a:r>
               <a:rPr lang="en-US" sz="2000" dirty="0">
@@ -5488,7 +6771,7 @@
                   <a:schemeClr val="accent6"/>
                 </a:solidFill>
               </a:rPr>
-              <a:t>Make the group sales owner of the directory sales, and make the group account owner of the directory account.</a:t>
+              <a:t>directory account.</a:t>
             </a:r>
             <a:br>
               <a:rPr lang="en-US" sz="2000" dirty="0">
